--- a/PPT Docs/PPT_dhruv.pptx
+++ b/PPT Docs/PPT_dhruv.pptx
@@ -134,7 +134,7 @@
     </mc:Fallback>
   </mc:AlternateContent>
   <c:chart>
-    <c:autoTitleDeleted val="0"/>
+    <c:autoTitleDeleted val="1"/>
     <c:plotArea>
       <c:layout/>
       <c:barChart>
@@ -150,7 +150,7 @@
               <c:strCache>
                 <c:ptCount val="1"/>
                 <c:pt idx="0">
-                  <c:v>Glove</c:v>
+                  <c:v>LSTM</c:v>
                 </c:pt>
               </c:strCache>
             </c:strRef>
@@ -167,42 +167,36 @@
           <c:invertIfNegative val="0"/>
           <c:cat>
             <c:strRef>
-              <c:f>Sheet1!$A$2:$A$4</c:f>
+              <c:f>Sheet1!$A$2:$A$3</c:f>
               <c:strCache>
-                <c:ptCount val="3"/>
+                <c:ptCount val="2"/>
                 <c:pt idx="0">
-                  <c:v>LSTM</c:v>
+                  <c:v>GloVe</c:v>
                 </c:pt>
                 <c:pt idx="1">
-                  <c:v>GRU</c:v>
-                </c:pt>
-                <c:pt idx="2">
-                  <c:v>RNN</c:v>
+                  <c:v>word2vec</c:v>
                 </c:pt>
               </c:strCache>
             </c:strRef>
           </c:cat>
           <c:val>
             <c:numRef>
-              <c:f>Sheet1!$B$2:$B$4</c:f>
+              <c:f>Sheet1!$B$2:$B$3</c:f>
               <c:numCache>
                 <c:formatCode>General</c:formatCode>
-                <c:ptCount val="3"/>
+                <c:ptCount val="2"/>
                 <c:pt idx="0">
                   <c:v>0.16389999999999999</c:v>
                 </c:pt>
                 <c:pt idx="1">
-                  <c:v>0.17119000000000001</c:v>
-                </c:pt>
-                <c:pt idx="2">
-                  <c:v>0.18390000000000001</c:v>
+                  <c:v>0.16919999999999999</c:v>
                 </c:pt>
               </c:numCache>
             </c:numRef>
           </c:val>
           <c:extLst>
             <c:ext xmlns:c16="http://schemas.microsoft.com/office/drawing/2014/chart" uri="{C3380CC4-5D6E-409C-BE32-E72D297353CC}">
-              <c16:uniqueId val="{00000000-86F8-0C4B-9EFC-D8D28E5BEEF1}"/>
+              <c16:uniqueId val="{00000000-F51F-1E44-9C54-DE2F738F6F04}"/>
             </c:ext>
           </c:extLst>
         </c:ser>
@@ -215,7 +209,7 @@
               <c:strCache>
                 <c:ptCount val="1"/>
                 <c:pt idx="0">
-                  <c:v>word2vec</c:v>
+                  <c:v>GRU</c:v>
                 </c:pt>
               </c:strCache>
             </c:strRef>
@@ -232,34 +226,87 @@
           <c:invertIfNegative val="0"/>
           <c:cat>
             <c:strRef>
-              <c:f>Sheet1!$A$2:$A$4</c:f>
+              <c:f>Sheet1!$A$2:$A$3</c:f>
               <c:strCache>
-                <c:ptCount val="3"/>
+                <c:ptCount val="2"/>
                 <c:pt idx="0">
-                  <c:v>LSTM</c:v>
+                  <c:v>GloVe</c:v>
                 </c:pt>
                 <c:pt idx="1">
-                  <c:v>GRU</c:v>
-                </c:pt>
-                <c:pt idx="2">
-                  <c:v>RNN</c:v>
+                  <c:v>word2vec</c:v>
                 </c:pt>
               </c:strCache>
             </c:strRef>
           </c:cat>
           <c:val>
             <c:numRef>
-              <c:f>Sheet1!$C$2:$C$4</c:f>
+              <c:f>Sheet1!$C$2:$C$3</c:f>
               <c:numCache>
                 <c:formatCode>General</c:formatCode>
-                <c:ptCount val="3"/>
+                <c:ptCount val="2"/>
                 <c:pt idx="0">
-                  <c:v>0.16919999999999999</c:v>
+                  <c:v>0.17119000000000001</c:v>
                 </c:pt>
                 <c:pt idx="1">
                   <c:v>0.17851</c:v>
                 </c:pt>
-                <c:pt idx="2">
+              </c:numCache>
+            </c:numRef>
+          </c:val>
+          <c:extLst>
+            <c:ext xmlns:c16="http://schemas.microsoft.com/office/drawing/2014/chart" uri="{C3380CC4-5D6E-409C-BE32-E72D297353CC}">
+              <c16:uniqueId val="{00000001-F51F-1E44-9C54-DE2F738F6F04}"/>
+            </c:ext>
+          </c:extLst>
+        </c:ser>
+        <c:ser>
+          <c:idx val="2"/>
+          <c:order val="2"/>
+          <c:tx>
+            <c:strRef>
+              <c:f>Sheet1!$D$1</c:f>
+              <c:strCache>
+                <c:ptCount val="1"/>
+                <c:pt idx="0">
+                  <c:v>RNN</c:v>
+                </c:pt>
+              </c:strCache>
+            </c:strRef>
+          </c:tx>
+          <c:spPr>
+            <a:solidFill>
+              <a:schemeClr val="accent3"/>
+            </a:solidFill>
+            <a:ln>
+              <a:noFill/>
+            </a:ln>
+            <a:effectLst/>
+          </c:spPr>
+          <c:invertIfNegative val="0"/>
+          <c:cat>
+            <c:strRef>
+              <c:f>Sheet1!$A$2:$A$3</c:f>
+              <c:strCache>
+                <c:ptCount val="2"/>
+                <c:pt idx="0">
+                  <c:v>GloVe</c:v>
+                </c:pt>
+                <c:pt idx="1">
+                  <c:v>word2vec</c:v>
+                </c:pt>
+              </c:strCache>
+            </c:strRef>
+          </c:cat>
+          <c:val>
+            <c:numRef>
+              <c:f>Sheet1!$D$2:$D$3</c:f>
+              <c:numCache>
+                <c:formatCode>General</c:formatCode>
+                <c:ptCount val="2"/>
+                <c:pt idx="0">
+                  <c:v>0.18390000000000001</c:v>
+                </c:pt>
+                <c:pt idx="1">
                   <c:v>0.18509999999999999</c:v>
                 </c:pt>
               </c:numCache>
@@ -267,7 +314,66 @@
           </c:val>
           <c:extLst>
             <c:ext xmlns:c16="http://schemas.microsoft.com/office/drawing/2014/chart" uri="{C3380CC4-5D6E-409C-BE32-E72D297353CC}">
-              <c16:uniqueId val="{00000001-86F8-0C4B-9EFC-D8D28E5BEEF1}"/>
+              <c16:uniqueId val="{00000002-F51F-1E44-9C54-DE2F738F6F04}"/>
+            </c:ext>
+          </c:extLst>
+        </c:ser>
+        <c:ser>
+          <c:idx val="3"/>
+          <c:order val="3"/>
+          <c:tx>
+            <c:strRef>
+              <c:f>Sheet1!$E$1</c:f>
+              <c:strCache>
+                <c:ptCount val="1"/>
+                <c:pt idx="0">
+                  <c:v>Single Layer LSTM</c:v>
+                </c:pt>
+              </c:strCache>
+            </c:strRef>
+          </c:tx>
+          <c:spPr>
+            <a:solidFill>
+              <a:schemeClr val="accent4"/>
+            </a:solidFill>
+            <a:ln>
+              <a:noFill/>
+            </a:ln>
+            <a:effectLst/>
+          </c:spPr>
+          <c:invertIfNegative val="0"/>
+          <c:cat>
+            <c:strRef>
+              <c:f>Sheet1!$A$2:$A$3</c:f>
+              <c:strCache>
+                <c:ptCount val="2"/>
+                <c:pt idx="0">
+                  <c:v>GloVe</c:v>
+                </c:pt>
+                <c:pt idx="1">
+                  <c:v>word2vec</c:v>
+                </c:pt>
+              </c:strCache>
+            </c:strRef>
+          </c:cat>
+          <c:val>
+            <c:numRef>
+              <c:f>Sheet1!$E$2:$E$3</c:f>
+              <c:numCache>
+                <c:formatCode>General</c:formatCode>
+                <c:ptCount val="2"/>
+                <c:pt idx="0">
+                  <c:v>0.17119999999999999</c:v>
+                </c:pt>
+                <c:pt idx="1">
+                  <c:v>0.17560000000000001</c:v>
+                </c:pt>
+              </c:numCache>
+            </c:numRef>
+          </c:val>
+          <c:extLst>
+            <c:ext xmlns:c16="http://schemas.microsoft.com/office/drawing/2014/chart" uri="{C3380CC4-5D6E-409C-BE32-E72D297353CC}">
+              <c16:uniqueId val="{00000003-F51F-1E44-9C54-DE2F738F6F04}"/>
             </c:ext>
           </c:extLst>
         </c:ser>
@@ -279,12 +385,12 @@
           <c:showPercent val="0"/>
           <c:showBubbleSize val="0"/>
         </c:dLbls>
-        <c:gapWidth val="150"/>
-        <c:axId val="658872255"/>
-        <c:axId val="628823631"/>
+        <c:gapWidth val="199"/>
+        <c:axId val="2119054320"/>
+        <c:axId val="2118946096"/>
       </c:barChart>
       <c:catAx>
-        <c:axId val="658872255"/>
+        <c:axId val="2119054320"/>
         <c:scaling>
           <c:orientation val="minMax"/>
         </c:scaling>
@@ -296,8 +402,14 @@
         <c:tickLblPos val="nextTo"/>
         <c:spPr>
           <a:noFill/>
-          <a:ln>
-            <a:noFill/>
+          <a:ln w="9525" cap="flat" cmpd="sng" algn="ctr">
+            <a:solidFill>
+              <a:schemeClr val="tx1">
+                <a:lumMod val="15000"/>
+                <a:lumOff val="85000"/>
+              </a:schemeClr>
+            </a:solidFill>
+            <a:round/>
           </a:ln>
           <a:effectLst/>
         </c:spPr>
@@ -306,7 +418,7 @@
           <a:lstStyle/>
           <a:p>
             <a:pPr>
-              <a:defRPr sz="1197" b="0" i="0" u="none" strike="noStrike" kern="1200" baseline="0">
+              <a:defRPr sz="1197" b="0" i="0" u="none" strike="noStrike" kern="1200" cap="none" spc="0" normalizeH="0" baseline="0">
                 <a:solidFill>
                   <a:schemeClr val="tx1">
                     <a:lumMod val="65000"/>
@@ -321,7 +433,7 @@
             <a:endParaRPr lang="en-US"/>
           </a:p>
         </c:txPr>
-        <c:crossAx val="628823631"/>
+        <c:crossAx val="2118946096"/>
         <c:crosses val="autoZero"/>
         <c:auto val="1"/>
         <c:lblAlgn val="ctr"/>
@@ -329,7 +441,7 @@
         <c:noMultiLvlLbl val="0"/>
       </c:catAx>
       <c:valAx>
-        <c:axId val="628823631"/>
+        <c:axId val="2118946096"/>
         <c:scaling>
           <c:orientation val="minMax"/>
         </c:scaling>
@@ -349,6 +461,20 @@
             <a:effectLst/>
           </c:spPr>
         </c:majorGridlines>
+        <c:minorGridlines>
+          <c:spPr>
+            <a:ln w="9525" cap="flat" cmpd="sng" algn="ctr">
+              <a:solidFill>
+                <a:schemeClr val="tx1">
+                  <a:lumMod val="5000"/>
+                  <a:lumOff val="95000"/>
+                </a:schemeClr>
+              </a:solidFill>
+              <a:round/>
+            </a:ln>
+            <a:effectLst/>
+          </c:spPr>
+        </c:minorGridlines>
         <c:numFmt formatCode="General" sourceLinked="1"/>
         <c:majorTickMark val="none"/>
         <c:minorTickMark val="none"/>
@@ -380,7 +506,7 @@
             <a:endParaRPr lang="en-US"/>
           </a:p>
         </c:txPr>
-        <c:crossAx val="658872255"/>
+        <c:crossAx val="2119054320"/>
         <c:crosses val="autoZero"/>
         <c:crossBetween val="between"/>
       </c:valAx>
@@ -393,7 +519,17 @@
       </c:spPr>
     </c:plotArea>
     <c:legend>
-      <c:legendPos val="b"/>
+      <c:legendPos val="t"/>
+      <c:layout>
+        <c:manualLayout>
+          <c:xMode val="edge"/>
+          <c:yMode val="edge"/>
+          <c:x val="3.423498533271576E-2"/>
+          <c:y val="2.0430497469973604E-2"/>
+          <c:w val="0.92417708815809785"/>
+          <c:h val="8.014270553103435E-2"/>
+        </c:manualLayout>
+      </c:layout>
       <c:overlay val="0"/>
       <c:spPr>
         <a:noFill/>
@@ -439,11 +575,7 @@
     <a:ln>
       <a:noFill/>
     </a:ln>
-    <a:effectLst>
-      <a:outerShdw dist="50800" sx="1000" sy="1000" algn="ctr" rotWithShape="0">
-        <a:srgbClr val="000000"/>
-      </a:outerShdw>
-    </a:effectLst>
+    <a:effectLst/>
   </c:spPr>
   <c:txPr>
     <a:bodyPr/>
@@ -502,7 +634,7 @@
 </file>
 
 <file path=ppt/charts/style1.xml><?xml version="1.0" encoding="utf-8"?>
-<cs:chartStyle xmlns:cs="http://schemas.microsoft.com/office/drawing/2012/chartStyle" xmlns:a="http://schemas.openxmlformats.org/drawingml/2006/main" id="286">
+<cs:chartStyle xmlns:cs="http://schemas.microsoft.com/office/drawing/2012/chartStyle" xmlns:a="http://schemas.openxmlformats.org/drawingml/2006/main" id="212">
   <cs:axisTitle>
     <cs:lnRef idx="0"/>
     <cs:fillRef idx="0"/>
@@ -513,7 +645,7 @@
         <a:lumOff val="35000"/>
       </a:schemeClr>
     </cs:fontRef>
-    <cs:defRPr sz="1330" kern="1200"/>
+    <cs:defRPr sz="1197" kern="1200" cap="all"/>
   </cs:axisTitle>
   <cs:categoryAxis>
     <cs:lnRef idx="0"/>
@@ -525,14 +657,25 @@
         <a:lumOff val="35000"/>
       </a:schemeClr>
     </cs:fontRef>
-    <cs:defRPr sz="1197" kern="1200"/>
+    <cs:spPr>
+      <a:ln w="9525" cap="flat" cmpd="sng" algn="ctr">
+        <a:solidFill>
+          <a:schemeClr val="tx1">
+            <a:lumMod val="15000"/>
+            <a:lumOff val="85000"/>
+          </a:schemeClr>
+        </a:solidFill>
+        <a:round/>
+      </a:ln>
+    </cs:spPr>
+    <cs:defRPr sz="1197" b="0" kern="1200" cap="none" spc="0" normalizeH="0" baseline="0"/>
   </cs:categoryAxis>
   <cs:chartArea mods="allowNoFillOverride allowNoLineOverride">
     <cs:lnRef idx="0"/>
     <cs:fillRef idx="0"/>
     <cs:effectRef idx="0"/>
     <cs:fontRef idx="minor">
-      <a:schemeClr val="tx1"/>
+      <a:schemeClr val="dk1"/>
     </cs:fontRef>
     <cs:spPr>
       <a:solidFill>
@@ -548,7 +691,7 @@
         <a:round/>
       </a:ln>
     </cs:spPr>
-    <cs:defRPr sz="1330" kern="1200"/>
+    <cs:defRPr sz="1197" kern="1200"/>
   </cs:chartArea>
   <cs:dataLabel>
     <cs:lnRef idx="0"/>
@@ -568,22 +711,17 @@
     <cs:effectRef idx="0"/>
     <cs:fontRef idx="minor">
       <a:schemeClr val="dk1">
-        <a:lumMod val="65000"/>
-        <a:lumOff val="35000"/>
+        <a:lumMod val="75000"/>
+        <a:lumOff val="25000"/>
       </a:schemeClr>
     </cs:fontRef>
     <cs:spPr>
       <a:solidFill>
-        <a:schemeClr val="lt1"/>
+        <a:schemeClr val="dk1">
+          <a:lumMod val="15000"/>
+          <a:lumOff val="85000"/>
+        </a:schemeClr>
       </a:solidFill>
-      <a:ln>
-        <a:solidFill>
-          <a:schemeClr val="dk1">
-            <a:lumMod val="25000"/>
-            <a:lumOff val="75000"/>
-          </a:schemeClr>
-        </a:solidFill>
-      </a:ln>
     </cs:spPr>
     <cs:defRPr sz="1197" kern="1200"/>
     <cs:bodyPr rot="0" spcFirstLastPara="1" vertOverflow="clip" horzOverflow="clip" vert="horz" wrap="square" lIns="36576" tIns="18288" rIns="36576" bIns="18288" anchor="ctr" anchorCtr="1">
@@ -592,35 +730,45 @@
   </cs:dataLabelCallout>
   <cs:dataPoint>
     <cs:lnRef idx="0"/>
-    <cs:fillRef idx="1">
+    <cs:fillRef idx="0">
       <cs:styleClr val="auto"/>
     </cs:fillRef>
     <cs:effectRef idx="0"/>
     <cs:fontRef idx="minor">
-      <a:schemeClr val="tx1"/>
+      <a:schemeClr val="dk1"/>
     </cs:fontRef>
+    <cs:spPr>
+      <a:solidFill>
+        <a:schemeClr val="phClr"/>
+      </a:solidFill>
+    </cs:spPr>
   </cs:dataPoint>
   <cs:dataPoint3D>
     <cs:lnRef idx="0"/>
-    <cs:fillRef idx="1">
+    <cs:fillRef idx="0">
       <cs:styleClr val="auto"/>
     </cs:fillRef>
     <cs:effectRef idx="0"/>
     <cs:fontRef idx="minor">
-      <a:schemeClr val="tx1"/>
+      <a:schemeClr val="dk1"/>
     </cs:fontRef>
+    <cs:spPr>
+      <a:solidFill>
+        <a:schemeClr val="phClr"/>
+      </a:solidFill>
+    </cs:spPr>
   </cs:dataPoint3D>
   <cs:dataPointLine>
     <cs:lnRef idx="0">
       <cs:styleClr val="auto"/>
     </cs:lnRef>
-    <cs:fillRef idx="1"/>
+    <cs:fillRef idx="0"/>
     <cs:effectRef idx="0"/>
     <cs:fontRef idx="minor">
-      <a:schemeClr val="tx1"/>
+      <a:schemeClr val="dk1"/>
     </cs:fontRef>
     <cs:spPr>
-      <a:ln w="28575" cap="rnd">
+      <a:ln w="38100" cap="rnd">
         <a:solidFill>
           <a:schemeClr val="phClr"/>
         </a:solidFill>
@@ -629,33 +777,29 @@
     </cs:spPr>
   </cs:dataPointLine>
   <cs:dataPointMarker>
-    <cs:lnRef idx="0">
-      <cs:styleClr val="auto"/>
-    </cs:lnRef>
-    <cs:fillRef idx="1">
+    <cs:lnRef idx="0"/>
+    <cs:fillRef idx="0">
       <cs:styleClr val="auto"/>
     </cs:fillRef>
     <cs:effectRef idx="0"/>
     <cs:fontRef idx="minor">
-      <a:schemeClr val="tx1"/>
+      <a:schemeClr val="dk1"/>
     </cs:fontRef>
     <cs:spPr>
-      <a:ln w="9525">
-        <a:solidFill>
-          <a:schemeClr val="phClr"/>
-        </a:solidFill>
-      </a:ln>
+      <a:solidFill>
+        <a:schemeClr val="phClr"/>
+      </a:solidFill>
     </cs:spPr>
   </cs:dataPointMarker>
-  <cs:dataPointMarkerLayout symbol="circle" size="5"/>
+  <cs:dataPointMarkerLayout symbol="circle" size="8"/>
   <cs:dataPointWireframe>
     <cs:lnRef idx="0">
       <cs:styleClr val="auto"/>
     </cs:lnRef>
-    <cs:fillRef idx="1"/>
+    <cs:fillRef idx="0"/>
     <cs:effectRef idx="0"/>
     <cs:fontRef idx="minor">
-      <a:schemeClr val="tx1"/>
+      <a:schemeClr val="dk1"/>
     </cs:fontRef>
     <cs:spPr>
       <a:ln w="9525" cap="rnd">
@@ -677,15 +821,13 @@
       </a:schemeClr>
     </cs:fontRef>
     <cs:spPr>
-      <a:noFill/>
-      <a:ln w="9525" cap="flat" cmpd="sng" algn="ctr">
+      <a:ln w="9525">
         <a:solidFill>
           <a:schemeClr val="tx1">
             <a:lumMod val="15000"/>
             <a:lumOff val="85000"/>
           </a:schemeClr>
         </a:solidFill>
-        <a:round/>
       </a:ln>
     </cs:spPr>
     <cs:defRPr sz="1197" kern="1200"/>
@@ -695,7 +837,7 @@
     <cs:fillRef idx="0"/>
     <cs:effectRef idx="0"/>
     <cs:fontRef idx="minor">
-      <a:schemeClr val="tx1"/>
+      <a:schemeClr val="dk1"/>
     </cs:fontRef>
     <cs:spPr>
       <a:solidFill>
@@ -704,14 +846,13 @@
           <a:lumOff val="25000"/>
         </a:schemeClr>
       </a:solidFill>
-      <a:ln w="9525" cap="flat" cmpd="sng" algn="ctr">
+      <a:ln w="9525">
         <a:solidFill>
           <a:schemeClr val="tx1">
-            <a:lumMod val="65000"/>
-            <a:lumOff val="35000"/>
+            <a:lumMod val="50000"/>
+            <a:lumOff val="50000"/>
           </a:schemeClr>
         </a:solidFill>
-        <a:round/>
       </a:ln>
     </cs:spPr>
   </cs:downBar>
@@ -720,17 +861,17 @@
     <cs:fillRef idx="0"/>
     <cs:effectRef idx="0"/>
     <cs:fontRef idx="minor">
-      <a:schemeClr val="tx1"/>
+      <a:schemeClr val="dk1"/>
     </cs:fontRef>
     <cs:spPr>
-      <a:ln w="9525" cap="flat" cmpd="sng" algn="ctr">
+      <a:ln w="9525">
         <a:solidFill>
           <a:schemeClr val="tx1">
-            <a:lumMod val="35000"/>
-            <a:lumOff val="65000"/>
+            <a:lumMod val="50000"/>
+            <a:lumOff val="50000"/>
           </a:schemeClr>
         </a:solidFill>
-        <a:round/>
+        <a:prstDash val="dash"/>
       </a:ln>
     </cs:spPr>
   </cs:dropLine>
@@ -739,14 +880,14 @@
     <cs:fillRef idx="0"/>
     <cs:effectRef idx="0"/>
     <cs:fontRef idx="minor">
-      <a:schemeClr val="tx1"/>
+      <a:schemeClr val="dk1"/>
     </cs:fontRef>
     <cs:spPr>
-      <a:ln w="9525" cap="flat" cmpd="sng" algn="ctr">
+      <a:ln w="9525">
         <a:solidFill>
           <a:schemeClr val="tx1">
-            <a:lumMod val="65000"/>
-            <a:lumOff val="35000"/>
+            <a:lumMod val="50000"/>
+            <a:lumOff val="50000"/>
           </a:schemeClr>
         </a:solidFill>
         <a:round/>
@@ -758,21 +899,15 @@
     <cs:fillRef idx="0"/>
     <cs:effectRef idx="0"/>
     <cs:fontRef idx="minor">
-      <a:schemeClr val="tx1"/>
+      <a:schemeClr val="dk1"/>
     </cs:fontRef>
-    <cs:spPr>
-      <a:noFill/>
-      <a:ln>
-        <a:noFill/>
-      </a:ln>
-    </cs:spPr>
   </cs:floor>
   <cs:gridlineMajor>
     <cs:lnRef idx="0"/>
     <cs:fillRef idx="0"/>
     <cs:effectRef idx="0"/>
     <cs:fontRef idx="minor">
-      <a:schemeClr val="tx1"/>
+      <a:schemeClr val="dk1"/>
     </cs:fontRef>
     <cs:spPr>
       <a:ln w="9525" cap="flat" cmpd="sng" algn="ctr">
@@ -791,7 +926,7 @@
     <cs:fillRef idx="0"/>
     <cs:effectRef idx="0"/>
     <cs:fontRef idx="minor">
-      <a:schemeClr val="tx1"/>
+      <a:schemeClr val="dk1"/>
     </cs:fontRef>
     <cs:spPr>
       <a:ln w="9525" cap="flat" cmpd="sng" algn="ctr">
@@ -810,17 +945,17 @@
     <cs:fillRef idx="0"/>
     <cs:effectRef idx="0"/>
     <cs:fontRef idx="minor">
-      <a:schemeClr val="tx1"/>
+      <a:schemeClr val="dk1"/>
     </cs:fontRef>
     <cs:spPr>
-      <a:ln w="9525" cap="flat" cmpd="sng" algn="ctr">
+      <a:ln w="9525">
         <a:solidFill>
           <a:schemeClr val="tx1">
             <a:lumMod val="50000"/>
             <a:lumOff val="50000"/>
           </a:schemeClr>
         </a:solidFill>
-        <a:round/>
+        <a:prstDash val="dash"/>
       </a:ln>
     </cs:spPr>
   </cs:hiLoLine>
@@ -829,17 +964,16 @@
     <cs:fillRef idx="0"/>
     <cs:effectRef idx="0"/>
     <cs:fontRef idx="minor">
-      <a:schemeClr val="tx1"/>
+      <a:schemeClr val="dk1"/>
     </cs:fontRef>
     <cs:spPr>
-      <a:ln w="9525" cap="flat" cmpd="sng" algn="ctr">
+      <a:ln w="9525">
         <a:solidFill>
           <a:schemeClr val="tx1">
             <a:lumMod val="35000"/>
             <a:lumOff val="65000"/>
           </a:schemeClr>
         </a:solidFill>
-        <a:round/>
       </a:ln>
     </cs:spPr>
   </cs:leaderLine>
@@ -860,7 +994,7 @@
     <cs:fillRef idx="0"/>
     <cs:effectRef idx="0"/>
     <cs:fontRef idx="minor">
-      <a:schemeClr val="tx1"/>
+      <a:schemeClr val="dk1"/>
     </cs:fontRef>
   </cs:plotArea>
   <cs:plotArea3D mods="allowNoFillOverride allowNoLineOverride">
@@ -868,7 +1002,7 @@
     <cs:fillRef idx="0"/>
     <cs:effectRef idx="0"/>
     <cs:fontRef idx="minor">
-      <a:schemeClr val="tx1"/>
+      <a:schemeClr val="dk1"/>
     </cs:fontRef>
   </cs:plotArea3D>
   <cs:seriesAxis>
@@ -881,6 +1015,17 @@
         <a:lumOff val="35000"/>
       </a:schemeClr>
     </cs:fontRef>
+    <cs:spPr>
+      <a:ln w="9525" cap="flat" cmpd="sng" algn="ctr">
+        <a:solidFill>
+          <a:schemeClr val="tx1">
+            <a:lumMod val="15000"/>
+            <a:lumOff val="85000"/>
+          </a:schemeClr>
+        </a:solidFill>
+        <a:round/>
+      </a:ln>
+    </cs:spPr>
     <cs:defRPr sz="1197" kern="1200"/>
   </cs:seriesAxis>
   <cs:seriesLine>
@@ -888,10 +1033,10 @@
     <cs:fillRef idx="0"/>
     <cs:effectRef idx="0"/>
     <cs:fontRef idx="minor">
-      <a:schemeClr val="tx1"/>
+      <a:schemeClr val="dk1"/>
     </cs:fontRef>
     <cs:spPr>
-      <a:ln w="9525" cap="flat" cmpd="sng" algn="ctr">
+      <a:ln w="9525">
         <a:solidFill>
           <a:schemeClr val="tx1">
             <a:lumMod val="35000"/>
@@ -906,13 +1051,13 @@
     <cs:lnRef idx="0"/>
     <cs:fillRef idx="0"/>
     <cs:effectRef idx="0"/>
-    <cs:fontRef idx="minor">
+    <cs:fontRef idx="major">
       <a:schemeClr val="tx1">
         <a:lumMod val="65000"/>
         <a:lumOff val="35000"/>
       </a:schemeClr>
     </cs:fontRef>
-    <cs:defRPr sz="1862" b="0" kern="1200" spc="0" baseline="0"/>
+    <cs:defRPr sz="2200" b="0" kern="1200" cap="none" spc="0" normalizeH="0" baseline="0"/>
   </cs:title>
   <cs:trendline>
     <cs:lnRef idx="0">
@@ -921,14 +1066,14 @@
     <cs:fillRef idx="0"/>
     <cs:effectRef idx="0"/>
     <cs:fontRef idx="minor">
-      <a:schemeClr val="tx1"/>
+      <a:schemeClr val="dk1"/>
     </cs:fontRef>
     <cs:spPr>
       <a:ln w="19050" cap="rnd">
         <a:solidFill>
           <a:schemeClr val="phClr"/>
         </a:solidFill>
-        <a:prstDash val="sysDot"/>
+        <a:round/>
       </a:ln>
     </cs:spPr>
   </cs:trendline>
@@ -949,20 +1094,19 @@
     <cs:fillRef idx="0"/>
     <cs:effectRef idx="0"/>
     <cs:fontRef idx="minor">
-      <a:schemeClr val="tx1"/>
+      <a:schemeClr val="dk1"/>
     </cs:fontRef>
     <cs:spPr>
       <a:solidFill>
         <a:schemeClr val="lt1"/>
       </a:solidFill>
-      <a:ln w="9525" cap="flat" cmpd="sng" algn="ctr">
+      <a:ln w="9525">
         <a:solidFill>
           <a:schemeClr val="tx1">
-            <a:lumMod val="65000"/>
-            <a:lumOff val="35000"/>
+            <a:lumMod val="50000"/>
+            <a:lumOff val="50000"/>
           </a:schemeClr>
         </a:solidFill>
-        <a:round/>
       </a:ln>
     </cs:spPr>
   </cs:upBar>
@@ -983,14 +1127,8 @@
     <cs:fillRef idx="0"/>
     <cs:effectRef idx="0"/>
     <cs:fontRef idx="minor">
-      <a:schemeClr val="tx1"/>
+      <a:schemeClr val="dk1"/>
     </cs:fontRef>
-    <cs:spPr>
-      <a:noFill/>
-      <a:ln>
-        <a:noFill/>
-      </a:ln>
-    </cs:spPr>
   </cs:wall>
 </cs:chartStyle>
 </file>
@@ -8797,7 +8935,7 @@
           <a:p>
             <a:r>
               <a:rPr lang="en-US" dirty="0"/>
-              <a:t>Results</a:t>
+              <a:t>Results : RMSE</a:t>
             </a:r>
           </a:p>
         </p:txBody>
@@ -8818,14 +8956,14 @@
             <p:ph sz="half" idx="2"/>
             <p:extLst>
               <p:ext uri="{D42A27DB-BD31-4B8C-83A1-F6EECF244321}">
-                <p14:modId xmlns:p14="http://schemas.microsoft.com/office/powerpoint/2010/main" val="3885624814"/>
+                <p14:modId xmlns:p14="http://schemas.microsoft.com/office/powerpoint/2010/main" val="3137829606"/>
               </p:ext>
             </p:extLst>
           </p:nvPr>
         </p:nvGraphicFramePr>
         <p:xfrm>
-          <a:off x="6172202" y="3057525"/>
-          <a:ext cx="5664656" cy="1814728"/>
+          <a:off x="5333997" y="2211930"/>
+          <a:ext cx="6705607" cy="2434140"/>
         </p:xfrm>
         <a:graphic>
           <a:graphicData uri="http://schemas.openxmlformats.org/drawingml/2006/table">
@@ -8834,31 +8972,38 @@
                 <a:tableStyleId>{5C22544A-7EE6-4342-B048-85BDC9FD1C3A}</a:tableStyleId>
               </a:tblPr>
               <a:tblGrid>
-                <a:gridCol w="2645227">
+                <a:gridCol w="2365762">
                   <a:extLst>
                     <a:ext uri="{9D8B030D-6E8A-4147-A177-3AD203B41FA5}">
                       <a16:colId xmlns:a16="http://schemas.microsoft.com/office/drawing/2014/main" val="2998991604"/>
                     </a:ext>
                   </a:extLst>
                 </a:gridCol>
-                <a:gridCol w="1001485">
+                <a:gridCol w="1096711">
                   <a:extLst>
                     <a:ext uri="{9D8B030D-6E8A-4147-A177-3AD203B41FA5}">
                       <a16:colId xmlns:a16="http://schemas.microsoft.com/office/drawing/2014/main" val="4041559275"/>
                     </a:ext>
                   </a:extLst>
                 </a:gridCol>
-                <a:gridCol w="1045029">
+                <a:gridCol w="1190716">
                   <a:extLst>
                     <a:ext uri="{9D8B030D-6E8A-4147-A177-3AD203B41FA5}">
                       <a16:colId xmlns:a16="http://schemas.microsoft.com/office/drawing/2014/main" val="493141102"/>
                     </a:ext>
                   </a:extLst>
                 </a:gridCol>
-                <a:gridCol w="972915">
+                <a:gridCol w="1048054">
                   <a:extLst>
                     <a:ext uri="{9D8B030D-6E8A-4147-A177-3AD203B41FA5}">
                       <a16:colId xmlns:a16="http://schemas.microsoft.com/office/drawing/2014/main" val="32539225"/>
+                    </a:ext>
+                  </a:extLst>
+                </a:gridCol>
+                <a:gridCol w="1004364">
+                  <a:extLst>
+                    <a:ext uri="{9D8B030D-6E8A-4147-A177-3AD203B41FA5}">
+                      <a16:colId xmlns:a16="http://schemas.microsoft.com/office/drawing/2014/main" val="3305105788"/>
                     </a:ext>
                   </a:extLst>
                 </a:gridCol>
@@ -8916,6 +9061,19 @@
                   </a:txBody>
                   <a:tcPr marL="99965" marR="99965" marT="49982" marB="49982"/>
                 </a:tc>
+                <a:tc>
+                  <a:txBody>
+                    <a:bodyPr/>
+                    <a:lstStyle/>
+                    <a:p>
+                      <a:r>
+                        <a:rPr lang="en-US" sz="2000" dirty="0"/>
+                        <a:t>Single Layer LSTM</a:t>
+                      </a:r>
+                    </a:p>
+                  </a:txBody>
+                  <a:tcPr marL="99965" marR="99965" marT="49982" marB="49982"/>
+                </a:tc>
                 <a:extLst>
                   <a:ext uri="{0D108BD9-81ED-4DB2-BD59-A6C34878D82A}">
                     <a16:rowId xmlns:a16="http://schemas.microsoft.com/office/drawing/2014/main" val="2962131294"/>
@@ -8942,10 +9100,9 @@
                     <a:lstStyle/>
                     <a:p>
                       <a:r>
-                        <a:rPr lang="en-US" sz="2000"/>
+                        <a:rPr lang="en-US" sz="2000" dirty="0"/>
                         <a:t>0.1639</a:t>
                       </a:r>
-                      <a:endParaRPr lang="en-US" sz="2000" dirty="0"/>
                     </a:p>
                   </a:txBody>
                   <a:tcPr marL="99965" marR="99965" marT="49982" marB="49982"/>
@@ -8971,6 +9128,19 @@
                       <a:r>
                         <a:rPr lang="en-US" sz="2000" dirty="0"/>
                         <a:t>0.1839</a:t>
+                      </a:r>
+                    </a:p>
+                  </a:txBody>
+                  <a:tcPr marL="99965" marR="99965" marT="49982" marB="49982"/>
+                </a:tc>
+                <a:tc>
+                  <a:txBody>
+                    <a:bodyPr/>
+                    <a:lstStyle/>
+                    <a:p>
+                      <a:r>
+                        <a:rPr lang="en-US" sz="2000" dirty="0"/>
+                        <a:t>0.1712</a:t>
                       </a:r>
                     </a:p>
                   </a:txBody>
@@ -9043,6 +9213,19 @@
                   </a:txBody>
                   <a:tcPr marL="99965" marR="99965" marT="49982" marB="49982"/>
                 </a:tc>
+                <a:tc>
+                  <a:txBody>
+                    <a:bodyPr/>
+                    <a:lstStyle/>
+                    <a:p>
+                      <a:r>
+                        <a:rPr lang="en-US" sz="2000" dirty="0"/>
+                        <a:t>0.1756</a:t>
+                      </a:r>
+                    </a:p>
+                  </a:txBody>
+                  <a:tcPr marL="99965" marR="99965" marT="49982" marB="49982"/>
+                </a:tc>
                 <a:extLst>
                   <a:ext uri="{0D108BD9-81ED-4DB2-BD59-A6C34878D82A}">
                     <a16:rowId xmlns:a16="http://schemas.microsoft.com/office/drawing/2014/main" val="611086005"/>
@@ -9069,13 +9252,13 @@
             <p:ph sz="half" idx="1"/>
             <p:extLst>
               <p:ext uri="{D42A27DB-BD31-4B8C-83A1-F6EECF244321}">
-                <p14:modId xmlns:p14="http://schemas.microsoft.com/office/powerpoint/2010/main" val="988467564"/>
+                <p14:modId xmlns:p14="http://schemas.microsoft.com/office/powerpoint/2010/main" val="2952523119"/>
               </p:ext>
             </p:extLst>
           </p:nvPr>
         </p:nvGraphicFramePr>
         <p:xfrm>
-          <a:off x="838200" y="1825625"/>
+          <a:off x="152396" y="1690688"/>
           <a:ext cx="5181600" cy="4351338"/>
         </p:xfrm>
         <a:graphic>
